--- a/InfiniTAM/说明材料/CUDA计算前缀和.pptx
+++ b/InfiniTAM/说明材料/CUDA计算前缀和.pptx
@@ -6032,7 +6032,7 @@
             </a:r>
             <a:r>
               <a:rPr lang="zh-CN" altLang="en-US" sz="3600"/>
-              <a:t>步骤一：分组求和</a:t>
+              <a:t>步骤一：归约求和</a:t>
             </a:r>
             <a:endParaRPr lang="zh-CN" altLang="en-US" sz="3600"/>
           </a:p>
